--- a/React/Redux/Redux.pptx
+++ b/React/Redux/Redux.pptx
@@ -229,7 +229,7 @@
             <a:fld id="{9A627CD6-EC2A-474E-95EA-B4A55857AC2C}" type="datetimeFigureOut">
               <a:rPr lang="en-US" smtClean="0"/>
               <a:pPr/>
-              <a:t>6/28/2021</a:t>
+              <a:t>7/4/2021</a:t>
             </a:fld>
             <a:endParaRPr lang="en-US"/>
           </a:p>
@@ -392,7 +392,7 @@
             <a:fld id="{5E662A1C-3158-4CF5-80A3-D7B8F58EE8AA}" type="datetimeFigureOut">
               <a:rPr lang="en-US" smtClean="0"/>
               <a:pPr/>
-              <a:t>6/28/2021</a:t>
+              <a:t>7/4/2021</a:t>
             </a:fld>
             <a:endParaRPr lang="en-US"/>
           </a:p>
@@ -833,7 +833,7 @@
             <a:fld id="{C5DC3856-2194-4DDC-B53C-251B5B8D1C64}" type="datetime1">
               <a:rPr lang="en-US" smtClean="0"/>
               <a:pPr/>
-              <a:t>6/28/2021</a:t>
+              <a:t>7/4/2021</a:t>
             </a:fld>
             <a:endParaRPr lang="en-US"/>
           </a:p>
@@ -1004,7 +1004,7 @@
             <a:fld id="{33DC2ABF-A47C-4F08-BC23-5F93F8CA5CE5}" type="datetime1">
               <a:rPr lang="en-US" smtClean="0"/>
               <a:pPr/>
-              <a:t>6/28/2021</a:t>
+              <a:t>7/4/2021</a:t>
             </a:fld>
             <a:endParaRPr lang="en-US"/>
           </a:p>
@@ -1185,7 +1185,7 @@
             <a:fld id="{79DFEDA8-C774-41B9-AAE4-E07793AF960B}" type="datetime1">
               <a:rPr lang="en-US" smtClean="0"/>
               <a:pPr/>
-              <a:t>6/28/2021</a:t>
+              <a:t>7/4/2021</a:t>
             </a:fld>
             <a:endParaRPr lang="en-US"/>
           </a:p>
@@ -1356,7 +1356,7 @@
             <a:fld id="{F00C3F03-67BC-4763-95DB-3F9D3CF37960}" type="datetime1">
               <a:rPr lang="en-US" smtClean="0"/>
               <a:pPr/>
-              <a:t>6/28/2021</a:t>
+              <a:t>7/4/2021</a:t>
             </a:fld>
             <a:endParaRPr lang="en-US"/>
           </a:p>
@@ -1604,7 +1604,7 @@
             <a:fld id="{D4B333FC-B8EF-43AC-87C2-8511FC7EAD61}" type="datetime1">
               <a:rPr lang="en-US" smtClean="0"/>
               <a:pPr/>
-              <a:t>6/28/2021</a:t>
+              <a:t>7/4/2021</a:t>
             </a:fld>
             <a:endParaRPr lang="en-US"/>
           </a:p>
@@ -1874,7 +1874,7 @@
             <a:fld id="{EE0A9791-C0D7-4976-A77F-B80E7832CD6A}" type="datetime1">
               <a:rPr lang="en-US" smtClean="0"/>
               <a:pPr/>
-              <a:t>6/28/2021</a:t>
+              <a:t>7/4/2021</a:t>
             </a:fld>
             <a:endParaRPr lang="en-US"/>
           </a:p>
@@ -2258,7 +2258,7 @@
             <a:fld id="{50C4D741-94E6-4E34-A25E-92D71FA5E540}" type="datetime1">
               <a:rPr lang="en-US" smtClean="0"/>
               <a:pPr/>
-              <a:t>6/28/2021</a:t>
+              <a:t>7/4/2021</a:t>
             </a:fld>
             <a:endParaRPr lang="en-US"/>
           </a:p>
@@ -2414,7 +2414,7 @@
             <a:fld id="{14D3C212-C7B8-453A-81B4-09008679334E}" type="datetime1">
               <a:rPr lang="en-US" smtClean="0"/>
               <a:pPr/>
-              <a:t>6/28/2021</a:t>
+              <a:t>7/4/2021</a:t>
             </a:fld>
             <a:endParaRPr lang="en-US"/>
           </a:p>
@@ -2510,7 +2510,7 @@
             <a:fld id="{C63E832B-B805-4B10-8072-2B9DC1240A78}" type="datetime1">
               <a:rPr lang="en-US" smtClean="0"/>
               <a:pPr/>
-              <a:t>6/28/2021</a:t>
+              <a:t>7/4/2021</a:t>
             </a:fld>
             <a:endParaRPr lang="en-US"/>
           </a:p>
@@ -2777,7 +2777,7 @@
             <a:fld id="{AF8F3403-7B1B-4476-B6C3-5CACF95E0B89}" type="datetime1">
               <a:rPr lang="en-US" smtClean="0"/>
               <a:pPr/>
-              <a:t>6/28/2021</a:t>
+              <a:t>7/4/2021</a:t>
             </a:fld>
             <a:endParaRPr lang="en-US"/>
           </a:p>
@@ -3071,7 +3071,7 @@
             <a:fld id="{995CAD4D-F660-4466-9DF1-C29EF88288F2}" type="datetime1">
               <a:rPr lang="en-US" smtClean="0"/>
               <a:pPr/>
-              <a:t>6/28/2021</a:t>
+              <a:t>7/4/2021</a:t>
             </a:fld>
             <a:endParaRPr lang="en-US"/>
           </a:p>
@@ -3848,7 +3848,7 @@
             <a:fld id="{D3F0E40F-773E-4E4E-A923-412D44C2F21F}" type="datetime1">
               <a:rPr lang="en-US" smtClean="0"/>
               <a:pPr/>
-              <a:t>6/28/2021</a:t>
+              <a:t>7/4/2021</a:t>
             </a:fld>
             <a:endParaRPr lang="en-US"/>
           </a:p>
@@ -10223,11 +10223,7 @@
             </a:r>
             <a:r>
               <a:rPr lang="en-US" sz="1600" dirty="0" smtClean="0"/>
-              <a:t> </a:t>
-            </a:r>
-            <a:r>
-              <a:rPr lang="en-US" sz="1600" dirty="0" smtClean="0"/>
-              <a:t>create-react-app react-</a:t>
+              <a:t> create-react-app react-</a:t>
             </a:r>
             <a:r>
               <a:rPr lang="en-US" sz="1600" dirty="0" err="1" smtClean="0"/>
@@ -11258,7 +11254,19 @@
             </a:r>
             <a:r>
               <a:rPr lang="en-US" sz="1600" dirty="0" smtClean="0"/>
-              <a:t> To install developer tools for </a:t>
+              <a:t> </a:t>
+            </a:r>
+            <a:endParaRPr lang="en-US" sz="1600" dirty="0" smtClean="0"/>
+          </a:p>
+          <a:p>
+            <a:pPr algn="l"/>
+            <a:r>
+              <a:rPr lang="en-US" sz="1600" dirty="0" smtClean="0"/>
+              <a:t>To </a:t>
+            </a:r>
+            <a:r>
+              <a:rPr lang="en-US" sz="1600" dirty="0" smtClean="0"/>
+              <a:t>install developer tools for </a:t>
             </a:r>
             <a:r>
               <a:rPr lang="en-US" sz="1600" dirty="0" err="1" smtClean="0"/>
